--- a/docs/virtualization/qemu/memory/memory.pptx
+++ b/docs/virtualization/qemu/memory/memory.pptx
@@ -5,13 +5,14 @@
     <p:sldMasterId id="2147483648" r:id="rId1"/>
   </p:sldMasterIdLst>
   <p:notesMasterIdLst>
-    <p:notesMasterId r:id="rId4"/>
+    <p:notesMasterId r:id="rId5"/>
   </p:notesMasterIdLst>
   <p:handoutMasterIdLst>
-    <p:handoutMasterId r:id="rId5"/>
+    <p:handoutMasterId r:id="rId6"/>
   </p:handoutMasterIdLst>
   <p:sldIdLst>
     <p:sldId id="256" r:id="rId3"/>
+    <p:sldId id="257" r:id="rId4"/>
   </p:sldIdLst>
   <p:sldSz cx="12192000" cy="6858000"/>
   <p:notesSz cx="7103745" cy="10234295"/>
@@ -3605,14 +3606,14 @@
           </a:bodyPr>
           <a:p>
             <a:r>
-              <a:rPr lang="zh-CN" altLang="" b="1">
+              <a:rPr lang="zh-CN" altLang="en-US" b="1">
                 <a:solidFill>
                   <a:srgbClr val="2C3E50"/>
                 </a:solidFill>
               </a:rPr>
               <a:t>数据结构</a:t>
             </a:r>
-            <a:endParaRPr lang="zh-CN" altLang="" b="1">
+            <a:endParaRPr lang="zh-CN" altLang="en-US" b="1">
               <a:solidFill>
                 <a:srgbClr val="2C3E50"/>
               </a:solidFill>
@@ -8174,6 +8175,640 @@
           </a:fontRef>
         </p:style>
       </p:cxnSp>
+      <p:sp>
+        <p:nvSpPr>
+          <p:cNvPr id="2" name="矩形 1"/>
+          <p:cNvSpPr/>
+          <p:nvPr/>
+        </p:nvSpPr>
+        <p:spPr>
+          <a:xfrm>
+            <a:off x="153670" y="1899920"/>
+            <a:ext cx="1020445" cy="297180"/>
+          </a:xfrm>
+          <a:prstGeom prst="rect">
+            <a:avLst/>
+          </a:prstGeom>
+          <a:noFill/>
+          <a:ln w="28575">
+            <a:solidFill>
+              <a:srgbClr val="2C3E50"/>
+            </a:solidFill>
+          </a:ln>
+          <a:extLst>
+            <a:ext uri="{909E8E84-426E-40DD-AFC4-6F175D3DCCD1}">
+              <a14:hiddenFill xmlns:a14="http://schemas.microsoft.com/office/drawing/2010/main">
+                <a:solidFill>
+                  <a:schemeClr val="accent1"/>
+                </a:solidFill>
+              </a14:hiddenFill>
+            </a:ext>
+          </a:extLst>
+        </p:spPr>
+        <p:style>
+          <a:lnRef idx="2">
+            <a:schemeClr val="accent1">
+              <a:shade val="50000"/>
+            </a:schemeClr>
+          </a:lnRef>
+          <a:fillRef idx="1">
+            <a:schemeClr val="accent1"/>
+          </a:fillRef>
+          <a:effectRef idx="0">
+            <a:schemeClr val="accent1"/>
+          </a:effectRef>
+          <a:fontRef idx="minor">
+            <a:schemeClr val="lt1"/>
+          </a:fontRef>
+        </p:style>
+        <p:txBody>
+          <a:bodyPr rtlCol="0" anchor="ctr"/>
+          <a:p>
+            <a:pPr algn="ctr"/>
+            <a:r>
+              <a:rPr lang="en-US" altLang="zh-CN" sz="1200" b="1">
+                <a:solidFill>
+                  <a:srgbClr val="2C3E50"/>
+                </a:solidFill>
+              </a:rPr>
+              <a:t>RAMBlock</a:t>
+            </a:r>
+            <a:endParaRPr lang="en-US" altLang="zh-CN" sz="1200" b="1">
+              <a:solidFill>
+                <a:srgbClr val="2C3E50"/>
+              </a:solidFill>
+            </a:endParaRPr>
+          </a:p>
+        </p:txBody>
+      </p:sp>
+      <p:cxnSp>
+        <p:nvCxnSpPr>
+          <p:cNvPr id="3" name="直接箭头连接符 2"/>
+          <p:cNvCxnSpPr>
+            <a:stCxn id="8" idx="1"/>
+            <a:endCxn id="2" idx="3"/>
+          </p:cNvCxnSpPr>
+          <p:nvPr/>
+        </p:nvCxnSpPr>
+        <p:spPr>
+          <a:xfrm flipH="true">
+            <a:off x="1174115" y="2045335"/>
+            <a:ext cx="354330" cy="3175"/>
+          </a:xfrm>
+          <a:prstGeom prst="straightConnector1">
+            <a:avLst/>
+          </a:prstGeom>
+          <a:ln w="38100">
+            <a:solidFill>
+              <a:srgbClr val="3EAF7C"/>
+            </a:solidFill>
+            <a:tailEnd type="arrow"/>
+          </a:ln>
+        </p:spPr>
+        <p:style>
+          <a:lnRef idx="1">
+            <a:schemeClr val="accent1"/>
+          </a:lnRef>
+          <a:fillRef idx="0">
+            <a:schemeClr val="accent1"/>
+          </a:fillRef>
+          <a:effectRef idx="0">
+            <a:schemeClr val="accent1"/>
+          </a:effectRef>
+          <a:fontRef idx="minor">
+            <a:schemeClr val="tx1"/>
+          </a:fontRef>
+        </p:style>
+      </p:cxnSp>
+      <p:sp>
+        <p:nvSpPr>
+          <p:cNvPr id="4" name="矩形 3"/>
+          <p:cNvSpPr/>
+          <p:nvPr/>
+        </p:nvSpPr>
+        <p:spPr>
+          <a:xfrm>
+            <a:off x="10761345" y="3084195"/>
+            <a:ext cx="1020445" cy="297180"/>
+          </a:xfrm>
+          <a:prstGeom prst="rect">
+            <a:avLst/>
+          </a:prstGeom>
+          <a:noFill/>
+          <a:ln w="28575">
+            <a:solidFill>
+              <a:srgbClr val="2C3E50"/>
+            </a:solidFill>
+          </a:ln>
+          <a:extLst>
+            <a:ext uri="{909E8E84-426E-40DD-AFC4-6F175D3DCCD1}">
+              <a14:hiddenFill xmlns:a14="http://schemas.microsoft.com/office/drawing/2010/main">
+                <a:solidFill>
+                  <a:schemeClr val="accent1"/>
+                </a:solidFill>
+              </a14:hiddenFill>
+            </a:ext>
+          </a:extLst>
+        </p:spPr>
+        <p:style>
+          <a:lnRef idx="2">
+            <a:schemeClr val="accent1">
+              <a:shade val="50000"/>
+            </a:schemeClr>
+          </a:lnRef>
+          <a:fillRef idx="1">
+            <a:schemeClr val="accent1"/>
+          </a:fillRef>
+          <a:effectRef idx="0">
+            <a:schemeClr val="accent1"/>
+          </a:effectRef>
+          <a:fontRef idx="minor">
+            <a:schemeClr val="lt1"/>
+          </a:fontRef>
+        </p:style>
+        <p:txBody>
+          <a:bodyPr rtlCol="0" anchor="ctr"/>
+          <a:p>
+            <a:pPr algn="ctr"/>
+            <a:r>
+              <a:rPr lang="zh-CN" altLang="" sz="1200" b="1">
+                <a:solidFill>
+                  <a:srgbClr val="2C3E50"/>
+                </a:solidFill>
+              </a:rPr>
+              <a:t>第一级页表</a:t>
+            </a:r>
+            <a:endParaRPr lang="zh-CN" altLang="" sz="1200" b="1">
+              <a:solidFill>
+                <a:srgbClr val="2C3E50"/>
+              </a:solidFill>
+            </a:endParaRPr>
+          </a:p>
+        </p:txBody>
+      </p:sp>
+      <p:cxnSp>
+        <p:nvCxnSpPr>
+          <p:cNvPr id="20" name="直接箭头连接符 19"/>
+          <p:cNvCxnSpPr>
+            <a:stCxn id="46" idx="3"/>
+            <a:endCxn id="4" idx="1"/>
+          </p:cNvCxnSpPr>
+          <p:nvPr/>
+        </p:nvCxnSpPr>
+        <p:spPr>
+          <a:xfrm flipV="true">
+            <a:off x="9846945" y="3232785"/>
+            <a:ext cx="914400" cy="6985"/>
+          </a:xfrm>
+          <a:prstGeom prst="straightConnector1">
+            <a:avLst/>
+          </a:prstGeom>
+          <a:ln w="38100">
+            <a:solidFill>
+              <a:srgbClr val="3EAF7C"/>
+            </a:solidFill>
+            <a:tailEnd type="arrow"/>
+          </a:ln>
+        </p:spPr>
+        <p:style>
+          <a:lnRef idx="1">
+            <a:schemeClr val="accent1"/>
+          </a:lnRef>
+          <a:fillRef idx="0">
+            <a:schemeClr val="accent1"/>
+          </a:fillRef>
+          <a:effectRef idx="0">
+            <a:schemeClr val="accent1"/>
+          </a:effectRef>
+          <a:fontRef idx="minor">
+            <a:schemeClr val="tx1"/>
+          </a:fontRef>
+        </p:style>
+      </p:cxnSp>
+    </p:spTree>
+  </p:cSld>
+  <p:clrMapOvr>
+    <a:masterClrMapping/>
+  </p:clrMapOvr>
+</p:sld>
+</file>
+
+<file path=ppt/slides/slide2.xml><?xml version="1.0" encoding="utf-8"?>
+<p:sld xmlns:a="http://schemas.openxmlformats.org/drawingml/2006/main" xmlns:r="http://schemas.openxmlformats.org/officeDocument/2006/relationships" xmlns:p="http://schemas.openxmlformats.org/presentationml/2006/main">
+  <p:cSld>
+    <p:spTree>
+      <p:nvGrpSpPr>
+        <p:cNvPr id="1" name=""/>
+        <p:cNvGrpSpPr/>
+        <p:nvPr/>
+      </p:nvGrpSpPr>
+      <p:grpSpPr/>
+      <p:sp>
+        <p:nvSpPr>
+          <p:cNvPr id="5" name="矩形 4"/>
+          <p:cNvSpPr/>
+          <p:nvPr/>
+        </p:nvSpPr>
+        <p:spPr>
+          <a:xfrm>
+            <a:off x="7327265" y="2152015"/>
+            <a:ext cx="1020445" cy="297180"/>
+          </a:xfrm>
+          <a:prstGeom prst="rect">
+            <a:avLst/>
+          </a:prstGeom>
+          <a:noFill/>
+          <a:ln w="28575">
+            <a:solidFill>
+              <a:srgbClr val="2C3E50"/>
+            </a:solidFill>
+          </a:ln>
+          <a:extLst>
+            <a:ext uri="{909E8E84-426E-40DD-AFC4-6F175D3DCCD1}">
+              <a14:hiddenFill xmlns:a14="http://schemas.microsoft.com/office/drawing/2010/main">
+                <a:solidFill>
+                  <a:schemeClr val="accent1"/>
+                </a:solidFill>
+              </a14:hiddenFill>
+            </a:ext>
+          </a:extLst>
+        </p:spPr>
+        <p:style>
+          <a:lnRef idx="2">
+            <a:schemeClr val="accent1">
+              <a:shade val="50000"/>
+            </a:schemeClr>
+          </a:lnRef>
+          <a:fillRef idx="1">
+            <a:schemeClr val="accent1"/>
+          </a:fillRef>
+          <a:effectRef idx="0">
+            <a:schemeClr val="accent1"/>
+          </a:effectRef>
+          <a:fontRef idx="minor">
+            <a:schemeClr val="lt1"/>
+          </a:fontRef>
+        </p:style>
+        <p:txBody>
+          <a:bodyPr rtlCol="0" anchor="ctr"/>
+          <a:p>
+            <a:pPr algn="ctr"/>
+            <a:endParaRPr lang="en-US" altLang="zh-CN" sz="1200" b="1">
+              <a:solidFill>
+                <a:srgbClr val="2C3E50"/>
+              </a:solidFill>
+            </a:endParaRPr>
+          </a:p>
+        </p:txBody>
+      </p:sp>
+      <p:sp>
+        <p:nvSpPr>
+          <p:cNvPr id="6" name="矩形 5"/>
+          <p:cNvSpPr/>
+          <p:nvPr/>
+        </p:nvSpPr>
+        <p:spPr>
+          <a:xfrm>
+            <a:off x="7327265" y="2449830"/>
+            <a:ext cx="1020445" cy="297180"/>
+          </a:xfrm>
+          <a:prstGeom prst="rect">
+            <a:avLst/>
+          </a:prstGeom>
+          <a:noFill/>
+          <a:ln w="28575">
+            <a:solidFill>
+              <a:srgbClr val="2C3E50"/>
+            </a:solidFill>
+          </a:ln>
+          <a:extLst>
+            <a:ext uri="{909E8E84-426E-40DD-AFC4-6F175D3DCCD1}">
+              <a14:hiddenFill xmlns:a14="http://schemas.microsoft.com/office/drawing/2010/main">
+                <a:solidFill>
+                  <a:schemeClr val="accent1"/>
+                </a:solidFill>
+              </a14:hiddenFill>
+            </a:ext>
+          </a:extLst>
+        </p:spPr>
+        <p:style>
+          <a:lnRef idx="2">
+            <a:schemeClr val="accent1">
+              <a:shade val="50000"/>
+            </a:schemeClr>
+          </a:lnRef>
+          <a:fillRef idx="1">
+            <a:schemeClr val="accent1"/>
+          </a:fillRef>
+          <a:effectRef idx="0">
+            <a:schemeClr val="accent1"/>
+          </a:effectRef>
+          <a:fontRef idx="minor">
+            <a:schemeClr val="lt1"/>
+          </a:fontRef>
+        </p:style>
+        <p:txBody>
+          <a:bodyPr rtlCol="0" anchor="ctr"/>
+          <a:p>
+            <a:pPr algn="ctr"/>
+            <a:endParaRPr lang="en-US" altLang="zh-CN" sz="1200" b="1">
+              <a:solidFill>
+                <a:srgbClr val="2C3E50"/>
+              </a:solidFill>
+            </a:endParaRPr>
+          </a:p>
+        </p:txBody>
+      </p:sp>
+      <p:sp>
+        <p:nvSpPr>
+          <p:cNvPr id="7" name="矩形 6"/>
+          <p:cNvSpPr/>
+          <p:nvPr/>
+        </p:nvSpPr>
+        <p:spPr>
+          <a:xfrm>
+            <a:off x="7327265" y="2747645"/>
+            <a:ext cx="1020445" cy="297180"/>
+          </a:xfrm>
+          <a:prstGeom prst="rect">
+            <a:avLst/>
+          </a:prstGeom>
+          <a:noFill/>
+          <a:ln w="28575">
+            <a:solidFill>
+              <a:srgbClr val="2C3E50"/>
+            </a:solidFill>
+          </a:ln>
+          <a:extLst>
+            <a:ext uri="{909E8E84-426E-40DD-AFC4-6F175D3DCCD1}">
+              <a14:hiddenFill xmlns:a14="http://schemas.microsoft.com/office/drawing/2010/main">
+                <a:solidFill>
+                  <a:schemeClr val="accent1"/>
+                </a:solidFill>
+              </a14:hiddenFill>
+            </a:ext>
+          </a:extLst>
+        </p:spPr>
+        <p:style>
+          <a:lnRef idx="2">
+            <a:schemeClr val="accent1">
+              <a:shade val="50000"/>
+            </a:schemeClr>
+          </a:lnRef>
+          <a:fillRef idx="1">
+            <a:schemeClr val="accent1"/>
+          </a:fillRef>
+          <a:effectRef idx="0">
+            <a:schemeClr val="accent1"/>
+          </a:effectRef>
+          <a:fontRef idx="minor">
+            <a:schemeClr val="lt1"/>
+          </a:fontRef>
+        </p:style>
+        <p:txBody>
+          <a:bodyPr rtlCol="0" anchor="ctr"/>
+          <a:p>
+            <a:pPr algn="ctr"/>
+            <a:endParaRPr lang="en-US" altLang="zh-CN" sz="1200" b="1">
+              <a:solidFill>
+                <a:srgbClr val="2C3E50"/>
+              </a:solidFill>
+            </a:endParaRPr>
+          </a:p>
+        </p:txBody>
+      </p:sp>
+      <p:sp>
+        <p:nvSpPr>
+          <p:cNvPr id="8" name="矩形 7"/>
+          <p:cNvSpPr/>
+          <p:nvPr/>
+        </p:nvSpPr>
+        <p:spPr>
+          <a:xfrm>
+            <a:off x="7327265" y="3045460"/>
+            <a:ext cx="1020445" cy="297180"/>
+          </a:xfrm>
+          <a:prstGeom prst="rect">
+            <a:avLst/>
+          </a:prstGeom>
+          <a:noFill/>
+          <a:ln w="28575">
+            <a:solidFill>
+              <a:srgbClr val="2C3E50"/>
+            </a:solidFill>
+          </a:ln>
+          <a:extLst>
+            <a:ext uri="{909E8E84-426E-40DD-AFC4-6F175D3DCCD1}">
+              <a14:hiddenFill xmlns:a14="http://schemas.microsoft.com/office/drawing/2010/main">
+                <a:solidFill>
+                  <a:schemeClr val="accent1"/>
+                </a:solidFill>
+              </a14:hiddenFill>
+            </a:ext>
+          </a:extLst>
+        </p:spPr>
+        <p:style>
+          <a:lnRef idx="2">
+            <a:schemeClr val="accent1">
+              <a:shade val="50000"/>
+            </a:schemeClr>
+          </a:lnRef>
+          <a:fillRef idx="1">
+            <a:schemeClr val="accent1"/>
+          </a:fillRef>
+          <a:effectRef idx="0">
+            <a:schemeClr val="accent1"/>
+          </a:effectRef>
+          <a:fontRef idx="minor">
+            <a:schemeClr val="lt1"/>
+          </a:fontRef>
+        </p:style>
+        <p:txBody>
+          <a:bodyPr rtlCol="0" anchor="ctr"/>
+          <a:p>
+            <a:pPr algn="ctr"/>
+            <a:endParaRPr lang="en-US" altLang="zh-CN" sz="1200" b="1">
+              <a:solidFill>
+                <a:srgbClr val="2C3E50"/>
+              </a:solidFill>
+            </a:endParaRPr>
+          </a:p>
+        </p:txBody>
+      </p:sp>
+      <p:sp>
+        <p:nvSpPr>
+          <p:cNvPr id="9" name="矩形 8"/>
+          <p:cNvSpPr/>
+          <p:nvPr/>
+        </p:nvSpPr>
+        <p:spPr>
+          <a:xfrm>
+            <a:off x="7327265" y="3343275"/>
+            <a:ext cx="1020445" cy="297180"/>
+          </a:xfrm>
+          <a:prstGeom prst="rect">
+            <a:avLst/>
+          </a:prstGeom>
+          <a:noFill/>
+          <a:ln w="28575">
+            <a:solidFill>
+              <a:srgbClr val="2C3E50"/>
+            </a:solidFill>
+          </a:ln>
+          <a:extLst>
+            <a:ext uri="{909E8E84-426E-40DD-AFC4-6F175D3DCCD1}">
+              <a14:hiddenFill xmlns:a14="http://schemas.microsoft.com/office/drawing/2010/main">
+                <a:solidFill>
+                  <a:schemeClr val="accent1"/>
+                </a:solidFill>
+              </a14:hiddenFill>
+            </a:ext>
+          </a:extLst>
+        </p:spPr>
+        <p:style>
+          <a:lnRef idx="2">
+            <a:schemeClr val="accent1">
+              <a:shade val="50000"/>
+            </a:schemeClr>
+          </a:lnRef>
+          <a:fillRef idx="1">
+            <a:schemeClr val="accent1"/>
+          </a:fillRef>
+          <a:effectRef idx="0">
+            <a:schemeClr val="accent1"/>
+          </a:effectRef>
+          <a:fontRef idx="minor">
+            <a:schemeClr val="lt1"/>
+          </a:fontRef>
+        </p:style>
+        <p:txBody>
+          <a:bodyPr rtlCol="0" anchor="ctr"/>
+          <a:p>
+            <a:pPr algn="ctr"/>
+            <a:endParaRPr lang="en-US" altLang="zh-CN" sz="1200" b="1">
+              <a:solidFill>
+                <a:srgbClr val="2C3E50"/>
+              </a:solidFill>
+            </a:endParaRPr>
+          </a:p>
+        </p:txBody>
+      </p:sp>
+      <p:sp>
+        <p:nvSpPr>
+          <p:cNvPr id="10" name="矩形 9"/>
+          <p:cNvSpPr/>
+          <p:nvPr/>
+        </p:nvSpPr>
+        <p:spPr>
+          <a:xfrm>
+            <a:off x="7327265" y="3641090"/>
+            <a:ext cx="1020445" cy="297180"/>
+          </a:xfrm>
+          <a:prstGeom prst="rect">
+            <a:avLst/>
+          </a:prstGeom>
+          <a:noFill/>
+          <a:ln w="28575">
+            <a:solidFill>
+              <a:srgbClr val="2C3E50"/>
+            </a:solidFill>
+          </a:ln>
+          <a:extLst>
+            <a:ext uri="{909E8E84-426E-40DD-AFC4-6F175D3DCCD1}">
+              <a14:hiddenFill xmlns:a14="http://schemas.microsoft.com/office/drawing/2010/main">
+                <a:solidFill>
+                  <a:schemeClr val="accent1"/>
+                </a:solidFill>
+              </a14:hiddenFill>
+            </a:ext>
+          </a:extLst>
+        </p:spPr>
+        <p:style>
+          <a:lnRef idx="2">
+            <a:schemeClr val="accent1">
+              <a:shade val="50000"/>
+            </a:schemeClr>
+          </a:lnRef>
+          <a:fillRef idx="1">
+            <a:schemeClr val="accent1"/>
+          </a:fillRef>
+          <a:effectRef idx="0">
+            <a:schemeClr val="accent1"/>
+          </a:effectRef>
+          <a:fontRef idx="minor">
+            <a:schemeClr val="lt1"/>
+          </a:fontRef>
+        </p:style>
+        <p:txBody>
+          <a:bodyPr rtlCol="0" anchor="ctr"/>
+          <a:p>
+            <a:pPr algn="ctr"/>
+            <a:endParaRPr lang="en-US" altLang="zh-CN" sz="1200" b="1">
+              <a:solidFill>
+                <a:srgbClr val="2C3E50"/>
+              </a:solidFill>
+            </a:endParaRPr>
+          </a:p>
+        </p:txBody>
+      </p:sp>
+      <p:sp>
+        <p:nvSpPr>
+          <p:cNvPr id="11" name="矩形 10"/>
+          <p:cNvSpPr/>
+          <p:nvPr/>
+        </p:nvSpPr>
+        <p:spPr>
+          <a:xfrm>
+            <a:off x="7327265" y="3938905"/>
+            <a:ext cx="1020445" cy="297180"/>
+          </a:xfrm>
+          <a:prstGeom prst="rect">
+            <a:avLst/>
+          </a:prstGeom>
+          <a:noFill/>
+          <a:ln w="28575">
+            <a:solidFill>
+              <a:srgbClr val="2C3E50"/>
+            </a:solidFill>
+          </a:ln>
+          <a:extLst>
+            <a:ext uri="{909E8E84-426E-40DD-AFC4-6F175D3DCCD1}">
+              <a14:hiddenFill xmlns:a14="http://schemas.microsoft.com/office/drawing/2010/main">
+                <a:solidFill>
+                  <a:schemeClr val="accent1"/>
+                </a:solidFill>
+              </a14:hiddenFill>
+            </a:ext>
+          </a:extLst>
+        </p:spPr>
+        <p:style>
+          <a:lnRef idx="2">
+            <a:schemeClr val="accent1">
+              <a:shade val="50000"/>
+            </a:schemeClr>
+          </a:lnRef>
+          <a:fillRef idx="1">
+            <a:schemeClr val="accent1"/>
+          </a:fillRef>
+          <a:effectRef idx="0">
+            <a:schemeClr val="accent1"/>
+          </a:effectRef>
+          <a:fontRef idx="minor">
+            <a:schemeClr val="lt1"/>
+          </a:fontRef>
+        </p:style>
+        <p:txBody>
+          <a:bodyPr rtlCol="0" anchor="ctr"/>
+          <a:p>
+            <a:pPr algn="ctr"/>
+            <a:endParaRPr lang="en-US" altLang="zh-CN" sz="1200" b="1">
+              <a:solidFill>
+                <a:srgbClr val="2C3E50"/>
+              </a:solidFill>
+            </a:endParaRPr>
+          </a:p>
+        </p:txBody>
+      </p:sp>
     </p:spTree>
   </p:cSld>
   <p:clrMapOvr>

--- a/docs/virtualization/qemu/memory/memory.pptx
+++ b/docs/virtualization/qemu/memory/memory.pptx
@@ -5,14 +5,15 @@
     <p:sldMasterId id="2147483648" r:id="rId1"/>
   </p:sldMasterIdLst>
   <p:notesMasterIdLst>
-    <p:notesMasterId r:id="rId5"/>
+    <p:notesMasterId r:id="rId6"/>
   </p:notesMasterIdLst>
   <p:handoutMasterIdLst>
-    <p:handoutMasterId r:id="rId6"/>
+    <p:handoutMasterId r:id="rId7"/>
   </p:handoutMasterIdLst>
   <p:sldIdLst>
-    <p:sldId id="256" r:id="rId3"/>
-    <p:sldId id="257" r:id="rId4"/>
+    <p:sldId id="257" r:id="rId3"/>
+    <p:sldId id="256" r:id="rId4"/>
+    <p:sldId id="258" r:id="rId5"/>
   </p:sldIdLst>
   <p:sldSz cx="12192000" cy="6858000"/>
   <p:notesSz cx="7103745" cy="10234295"/>
@@ -3450,6 +3451,765 @@
       <p:grpSpPr/>
       <p:sp>
         <p:nvSpPr>
+          <p:cNvPr id="2" name="文本框 1"/>
+          <p:cNvSpPr txBox="true"/>
+          <p:nvPr/>
+        </p:nvSpPr>
+        <p:spPr>
+          <a:xfrm>
+            <a:off x="1789430" y="3970020"/>
+            <a:ext cx="4018280" cy="368300"/>
+          </a:xfrm>
+          <a:prstGeom prst="rect">
+            <a:avLst/>
+          </a:prstGeom>
+          <a:noFill/>
+        </p:spPr>
+        <p:txBody>
+          <a:bodyPr wrap="square" rtlCol="0" anchor="t">
+            <a:spAutoFit/>
+          </a:bodyPr>
+          <a:p>
+            <a:r>
+              <a:rPr lang="zh-CN" altLang="en-US" b="1">
+                <a:solidFill>
+                  <a:srgbClr val="2C3E50"/>
+                </a:solidFill>
+              </a:rPr>
+              <a:t>memory_region_transaction_commit</a:t>
+            </a:r>
+            <a:endParaRPr lang="zh-CN" altLang="en-US" b="1">
+              <a:solidFill>
+                <a:srgbClr val="2C3E50"/>
+              </a:solidFill>
+            </a:endParaRPr>
+          </a:p>
+        </p:txBody>
+      </p:sp>
+      <p:sp>
+        <p:nvSpPr>
+          <p:cNvPr id="3" name="文本框 2"/>
+          <p:cNvSpPr txBox="true"/>
+          <p:nvPr/>
+        </p:nvSpPr>
+        <p:spPr>
+          <a:xfrm>
+            <a:off x="1789430" y="744220"/>
+            <a:ext cx="2540000" cy="368300"/>
+          </a:xfrm>
+          <a:prstGeom prst="rect">
+            <a:avLst/>
+          </a:prstGeom>
+          <a:noFill/>
+        </p:spPr>
+        <p:txBody>
+          <a:bodyPr wrap="square" rtlCol="0" anchor="t">
+            <a:spAutoFit/>
+          </a:bodyPr>
+          <a:p>
+            <a:r>
+              <a:rPr lang="zh-CN" altLang="en-US" b="1">
+                <a:solidFill>
+                  <a:srgbClr val="2C3E50"/>
+                </a:solidFill>
+              </a:rPr>
+              <a:t>memory_region_init</a:t>
+            </a:r>
+            <a:endParaRPr lang="zh-CN" altLang="en-US" b="1">
+              <a:solidFill>
+                <a:srgbClr val="2C3E50"/>
+              </a:solidFill>
+            </a:endParaRPr>
+          </a:p>
+        </p:txBody>
+      </p:sp>
+      <p:sp>
+        <p:nvSpPr>
+          <p:cNvPr id="4" name="文本框 3"/>
+          <p:cNvSpPr txBox="true"/>
+          <p:nvPr/>
+        </p:nvSpPr>
+        <p:spPr>
+          <a:xfrm>
+            <a:off x="1789430" y="2357120"/>
+            <a:ext cx="2540000" cy="368300"/>
+          </a:xfrm>
+          <a:prstGeom prst="rect">
+            <a:avLst/>
+          </a:prstGeom>
+          <a:noFill/>
+        </p:spPr>
+        <p:txBody>
+          <a:bodyPr wrap="square" rtlCol="0" anchor="t">
+            <a:spAutoFit/>
+          </a:bodyPr>
+          <a:p>
+            <a:r>
+              <a:rPr lang="zh-CN" altLang="en-US" b="1">
+                <a:solidFill>
+                  <a:srgbClr val="2C3E50"/>
+                </a:solidFill>
+              </a:rPr>
+              <a:t>address_space_init</a:t>
+            </a:r>
+            <a:endParaRPr lang="zh-CN" altLang="en-US" b="1">
+              <a:solidFill>
+                <a:srgbClr val="2C3E50"/>
+              </a:solidFill>
+            </a:endParaRPr>
+          </a:p>
+        </p:txBody>
+      </p:sp>
+      <p:sp>
+        <p:nvSpPr>
+          <p:cNvPr id="12" name="文本框 11"/>
+          <p:cNvSpPr txBox="true"/>
+          <p:nvPr/>
+        </p:nvSpPr>
+        <p:spPr>
+          <a:xfrm>
+            <a:off x="4108450" y="3068955"/>
+            <a:ext cx="3280410" cy="368300"/>
+          </a:xfrm>
+          <a:prstGeom prst="rect">
+            <a:avLst/>
+          </a:prstGeom>
+          <a:noFill/>
+        </p:spPr>
+        <p:txBody>
+          <a:bodyPr wrap="square" rtlCol="0" anchor="t">
+            <a:spAutoFit/>
+          </a:bodyPr>
+          <a:p>
+            <a:r>
+              <a:rPr lang="zh-CN" altLang="en-US" b="1">
+                <a:solidFill>
+                  <a:srgbClr val="2C3E50"/>
+                </a:solidFill>
+              </a:rPr>
+              <a:t>generate_memory_topology</a:t>
+            </a:r>
+            <a:endParaRPr lang="zh-CN" altLang="en-US" b="1">
+              <a:solidFill>
+                <a:srgbClr val="2C3E50"/>
+              </a:solidFill>
+            </a:endParaRPr>
+          </a:p>
+        </p:txBody>
+      </p:sp>
+      <p:sp>
+        <p:nvSpPr>
+          <p:cNvPr id="13" name="文本框 12"/>
+          <p:cNvSpPr txBox="true"/>
+          <p:nvPr/>
+        </p:nvSpPr>
+        <p:spPr>
+          <a:xfrm>
+            <a:off x="1789430" y="5582920"/>
+            <a:ext cx="3749040" cy="368300"/>
+          </a:xfrm>
+          <a:prstGeom prst="rect">
+            <a:avLst/>
+          </a:prstGeom>
+          <a:noFill/>
+        </p:spPr>
+        <p:txBody>
+          <a:bodyPr wrap="square" rtlCol="0" anchor="t">
+            <a:spAutoFit/>
+          </a:bodyPr>
+          <a:p>
+            <a:r>
+              <a:rPr lang="zh-CN" altLang="en-US" b="1">
+                <a:solidFill>
+                  <a:srgbClr val="2C3E50"/>
+                </a:solidFill>
+              </a:rPr>
+              <a:t>memory_region_add_subregion</a:t>
+            </a:r>
+            <a:endParaRPr lang="zh-CN" altLang="en-US" b="1">
+              <a:solidFill>
+                <a:srgbClr val="2C3E50"/>
+              </a:solidFill>
+            </a:endParaRPr>
+          </a:p>
+        </p:txBody>
+      </p:sp>
+      <p:sp>
+        <p:nvSpPr>
+          <p:cNvPr id="14" name="文本框 13"/>
+          <p:cNvSpPr txBox="true"/>
+          <p:nvPr/>
+        </p:nvSpPr>
+        <p:spPr>
+          <a:xfrm>
+            <a:off x="7935595" y="2077085"/>
+            <a:ext cx="3186430" cy="368300"/>
+          </a:xfrm>
+          <a:prstGeom prst="rect">
+            <a:avLst/>
+          </a:prstGeom>
+          <a:noFill/>
+        </p:spPr>
+        <p:txBody>
+          <a:bodyPr wrap="square" rtlCol="0" anchor="t">
+            <a:spAutoFit/>
+          </a:bodyPr>
+          <a:p>
+            <a:r>
+              <a:rPr lang="zh-CN" altLang="en-US" b="1">
+                <a:solidFill>
+                  <a:srgbClr val="2C3E50"/>
+                </a:solidFill>
+              </a:rPr>
+              <a:t>address_space_dispatch_new</a:t>
+            </a:r>
+            <a:endParaRPr lang="zh-CN" altLang="en-US" b="1">
+              <a:solidFill>
+                <a:srgbClr val="2C3E50"/>
+              </a:solidFill>
+            </a:endParaRPr>
+          </a:p>
+        </p:txBody>
+      </p:sp>
+      <p:sp>
+        <p:nvSpPr>
+          <p:cNvPr id="16" name="文本框 15"/>
+          <p:cNvSpPr txBox="true"/>
+          <p:nvPr/>
+        </p:nvSpPr>
+        <p:spPr>
+          <a:xfrm>
+            <a:off x="7935595" y="4060825"/>
+            <a:ext cx="3562985" cy="368300"/>
+          </a:xfrm>
+          <a:prstGeom prst="rect">
+            <a:avLst/>
+          </a:prstGeom>
+          <a:noFill/>
+        </p:spPr>
+        <p:txBody>
+          <a:bodyPr wrap="square" rtlCol="0" anchor="t">
+            <a:spAutoFit/>
+          </a:bodyPr>
+          <a:p>
+            <a:r>
+              <a:rPr lang="zh-CN" altLang="en-US" b="1">
+                <a:solidFill>
+                  <a:srgbClr val="2C3E50"/>
+                </a:solidFill>
+              </a:rPr>
+              <a:t>address_space_dispatch_compact</a:t>
+            </a:r>
+            <a:endParaRPr lang="zh-CN" altLang="en-US" b="1">
+              <a:solidFill>
+                <a:srgbClr val="2C3E50"/>
+              </a:solidFill>
+            </a:endParaRPr>
+          </a:p>
+        </p:txBody>
+      </p:sp>
+      <p:sp>
+        <p:nvSpPr>
+          <p:cNvPr id="18" name="文本框 17"/>
+          <p:cNvSpPr txBox="true"/>
+          <p:nvPr/>
+        </p:nvSpPr>
+        <p:spPr>
+          <a:xfrm>
+            <a:off x="311150" y="3068955"/>
+            <a:ext cx="642620" cy="368300"/>
+          </a:xfrm>
+          <a:prstGeom prst="rect">
+            <a:avLst/>
+          </a:prstGeom>
+          <a:noFill/>
+        </p:spPr>
+        <p:txBody>
+          <a:bodyPr wrap="none" rtlCol="0">
+            <a:spAutoFit/>
+          </a:bodyPr>
+          <a:p>
+            <a:r>
+              <a:rPr lang="zh-CN" altLang="en-US" b="1">
+                <a:solidFill>
+                  <a:srgbClr val="2C3E50"/>
+                </a:solidFill>
+              </a:rPr>
+              <a:t>应用</a:t>
+            </a:r>
+            <a:endParaRPr lang="zh-CN" altLang="en-US" b="1">
+              <a:solidFill>
+                <a:srgbClr val="2C3E50"/>
+              </a:solidFill>
+            </a:endParaRPr>
+          </a:p>
+        </p:txBody>
+      </p:sp>
+      <p:sp>
+        <p:nvSpPr>
+          <p:cNvPr id="35" name="文本框 34"/>
+          <p:cNvSpPr txBox="true"/>
+          <p:nvPr/>
+        </p:nvSpPr>
+        <p:spPr>
+          <a:xfrm>
+            <a:off x="7935595" y="3068955"/>
+            <a:ext cx="3132455" cy="368300"/>
+          </a:xfrm>
+          <a:prstGeom prst="rect">
+            <a:avLst/>
+          </a:prstGeom>
+          <a:noFill/>
+        </p:spPr>
+        <p:txBody>
+          <a:bodyPr wrap="square" rtlCol="0" anchor="t">
+            <a:spAutoFit/>
+          </a:bodyPr>
+          <a:p>
+            <a:r>
+              <a:rPr lang="zh-CN" altLang="en-US" b="1">
+                <a:solidFill>
+                  <a:srgbClr val="2C3E50"/>
+                </a:solidFill>
+              </a:rPr>
+              <a:t>flatview_add_to_dispatch</a:t>
+            </a:r>
+            <a:endParaRPr lang="zh-CN" altLang="en-US" b="1">
+              <a:solidFill>
+                <a:srgbClr val="2C3E50"/>
+              </a:solidFill>
+            </a:endParaRPr>
+          </a:p>
+        </p:txBody>
+      </p:sp>
+      <p:cxnSp>
+        <p:nvCxnSpPr>
+          <p:cNvPr id="5" name="肘形连接符 4"/>
+          <p:cNvCxnSpPr>
+            <a:stCxn id="18" idx="3"/>
+            <a:endCxn id="3" idx="1"/>
+          </p:cNvCxnSpPr>
+          <p:nvPr/>
+        </p:nvCxnSpPr>
+        <p:spPr>
+          <a:xfrm flipV="true">
+            <a:off x="953770" y="928370"/>
+            <a:ext cx="835660" cy="2324735"/>
+          </a:xfrm>
+          <a:prstGeom prst="bentConnector3">
+            <a:avLst>
+              <a:gd name="adj1" fmla="val 50000"/>
+            </a:avLst>
+          </a:prstGeom>
+          <a:ln w="38100">
+            <a:solidFill>
+              <a:srgbClr val="3EAF7C"/>
+            </a:solidFill>
+            <a:tailEnd type="arrow"/>
+          </a:ln>
+        </p:spPr>
+        <p:style>
+          <a:lnRef idx="1">
+            <a:schemeClr val="accent1"/>
+          </a:lnRef>
+          <a:fillRef idx="0">
+            <a:schemeClr val="accent1"/>
+          </a:fillRef>
+          <a:effectRef idx="0">
+            <a:schemeClr val="accent1"/>
+          </a:effectRef>
+          <a:fontRef idx="minor">
+            <a:schemeClr val="tx1"/>
+          </a:fontRef>
+        </p:style>
+      </p:cxnSp>
+      <p:cxnSp>
+        <p:nvCxnSpPr>
+          <p:cNvPr id="7" name="肘形连接符 6"/>
+          <p:cNvCxnSpPr>
+            <a:stCxn id="18" idx="3"/>
+            <a:endCxn id="4" idx="1"/>
+          </p:cNvCxnSpPr>
+          <p:nvPr/>
+        </p:nvCxnSpPr>
+        <p:spPr>
+          <a:xfrm flipV="true">
+            <a:off x="953770" y="2541270"/>
+            <a:ext cx="835660" cy="711835"/>
+          </a:xfrm>
+          <a:prstGeom prst="bentConnector3">
+            <a:avLst>
+              <a:gd name="adj1" fmla="val 50000"/>
+            </a:avLst>
+          </a:prstGeom>
+          <a:ln w="38100">
+            <a:solidFill>
+              <a:srgbClr val="3EAF7C"/>
+            </a:solidFill>
+            <a:tailEnd type="arrow"/>
+          </a:ln>
+        </p:spPr>
+        <p:style>
+          <a:lnRef idx="1">
+            <a:schemeClr val="accent1"/>
+          </a:lnRef>
+          <a:fillRef idx="0">
+            <a:schemeClr val="accent1"/>
+          </a:fillRef>
+          <a:effectRef idx="0">
+            <a:schemeClr val="accent1"/>
+          </a:effectRef>
+          <a:fontRef idx="minor">
+            <a:schemeClr val="tx1"/>
+          </a:fontRef>
+        </p:style>
+      </p:cxnSp>
+      <p:cxnSp>
+        <p:nvCxnSpPr>
+          <p:cNvPr id="9" name="肘形连接符 8"/>
+          <p:cNvCxnSpPr>
+            <a:stCxn id="18" idx="3"/>
+            <a:endCxn id="2" idx="1"/>
+          </p:cNvCxnSpPr>
+          <p:nvPr/>
+        </p:nvCxnSpPr>
+        <p:spPr>
+          <a:xfrm>
+            <a:off x="953770" y="3253105"/>
+            <a:ext cx="835660" cy="901065"/>
+          </a:xfrm>
+          <a:prstGeom prst="bentConnector3">
+            <a:avLst>
+              <a:gd name="adj1" fmla="val 50000"/>
+            </a:avLst>
+          </a:prstGeom>
+          <a:ln w="38100">
+            <a:solidFill>
+              <a:srgbClr val="3EAF7C"/>
+            </a:solidFill>
+            <a:tailEnd type="arrow"/>
+          </a:ln>
+        </p:spPr>
+        <p:style>
+          <a:lnRef idx="1">
+            <a:schemeClr val="accent1"/>
+          </a:lnRef>
+          <a:fillRef idx="0">
+            <a:schemeClr val="accent1"/>
+          </a:fillRef>
+          <a:effectRef idx="0">
+            <a:schemeClr val="accent1"/>
+          </a:effectRef>
+          <a:fontRef idx="minor">
+            <a:schemeClr val="tx1"/>
+          </a:fontRef>
+        </p:style>
+      </p:cxnSp>
+      <p:cxnSp>
+        <p:nvCxnSpPr>
+          <p:cNvPr id="10" name="肘形连接符 9"/>
+          <p:cNvCxnSpPr>
+            <a:stCxn id="18" idx="3"/>
+            <a:endCxn id="13" idx="1"/>
+          </p:cNvCxnSpPr>
+          <p:nvPr/>
+        </p:nvCxnSpPr>
+        <p:spPr>
+          <a:xfrm>
+            <a:off x="953770" y="3253105"/>
+            <a:ext cx="835660" cy="2513965"/>
+          </a:xfrm>
+          <a:prstGeom prst="bentConnector3">
+            <a:avLst>
+              <a:gd name="adj1" fmla="val 50000"/>
+            </a:avLst>
+          </a:prstGeom>
+          <a:ln w="38100">
+            <a:solidFill>
+              <a:srgbClr val="3EAF7C"/>
+            </a:solidFill>
+            <a:tailEnd type="arrow"/>
+          </a:ln>
+        </p:spPr>
+        <p:style>
+          <a:lnRef idx="1">
+            <a:schemeClr val="accent1"/>
+          </a:lnRef>
+          <a:fillRef idx="0">
+            <a:schemeClr val="accent1"/>
+          </a:fillRef>
+          <a:effectRef idx="0">
+            <a:schemeClr val="accent1"/>
+          </a:effectRef>
+          <a:fontRef idx="minor">
+            <a:schemeClr val="tx1"/>
+          </a:fontRef>
+        </p:style>
+      </p:cxnSp>
+      <p:cxnSp>
+        <p:nvCxnSpPr>
+          <p:cNvPr id="11" name="肘形连接符 10"/>
+          <p:cNvCxnSpPr>
+            <a:stCxn id="13" idx="0"/>
+            <a:endCxn id="2" idx="2"/>
+          </p:cNvCxnSpPr>
+          <p:nvPr/>
+        </p:nvCxnSpPr>
+        <p:spPr>
+          <a:xfrm rot="16200000">
+            <a:off x="3108960" y="4893310"/>
+            <a:ext cx="1244600" cy="134620"/>
+          </a:xfrm>
+          <a:prstGeom prst="bentConnector3">
+            <a:avLst>
+              <a:gd name="adj1" fmla="val 50000"/>
+            </a:avLst>
+          </a:prstGeom>
+          <a:ln w="38100">
+            <a:solidFill>
+              <a:srgbClr val="3EAF7C"/>
+            </a:solidFill>
+            <a:tailEnd type="arrow"/>
+          </a:ln>
+        </p:spPr>
+        <p:style>
+          <a:lnRef idx="1">
+            <a:schemeClr val="accent1"/>
+          </a:lnRef>
+          <a:fillRef idx="0">
+            <a:schemeClr val="accent1"/>
+          </a:fillRef>
+          <a:effectRef idx="0">
+            <a:schemeClr val="accent1"/>
+          </a:effectRef>
+          <a:fontRef idx="minor">
+            <a:schemeClr val="tx1"/>
+          </a:fontRef>
+        </p:style>
+      </p:cxnSp>
+      <p:cxnSp>
+        <p:nvCxnSpPr>
+          <p:cNvPr id="15" name="肘形连接符 14"/>
+          <p:cNvCxnSpPr>
+            <a:stCxn id="4" idx="0"/>
+            <a:endCxn id="12" idx="0"/>
+          </p:cNvCxnSpPr>
+          <p:nvPr/>
+        </p:nvCxnSpPr>
+        <p:spPr>
+          <a:xfrm rot="16200000" flipH="true">
+            <a:off x="4048125" y="1368425"/>
+            <a:ext cx="711835" cy="2689225"/>
+          </a:xfrm>
+          <a:prstGeom prst="bentConnector3">
+            <a:avLst>
+              <a:gd name="adj1" fmla="val -33452"/>
+            </a:avLst>
+          </a:prstGeom>
+          <a:ln w="38100">
+            <a:solidFill>
+              <a:srgbClr val="3EAF7C"/>
+            </a:solidFill>
+            <a:tailEnd type="arrow"/>
+          </a:ln>
+        </p:spPr>
+        <p:style>
+          <a:lnRef idx="1">
+            <a:schemeClr val="accent1"/>
+          </a:lnRef>
+          <a:fillRef idx="0">
+            <a:schemeClr val="accent1"/>
+          </a:fillRef>
+          <a:effectRef idx="0">
+            <a:schemeClr val="accent1"/>
+          </a:effectRef>
+          <a:fontRef idx="minor">
+            <a:schemeClr val="tx1"/>
+          </a:fontRef>
+        </p:style>
+      </p:cxnSp>
+      <p:cxnSp>
+        <p:nvCxnSpPr>
+          <p:cNvPr id="17" name="肘形连接符 16"/>
+          <p:cNvCxnSpPr>
+            <a:stCxn id="2" idx="0"/>
+            <a:endCxn id="12" idx="2"/>
+          </p:cNvCxnSpPr>
+          <p:nvPr/>
+        </p:nvCxnSpPr>
+        <p:spPr>
+          <a:xfrm rot="16200000">
+            <a:off x="4507230" y="2728595"/>
+            <a:ext cx="532765" cy="1950085"/>
+          </a:xfrm>
+          <a:prstGeom prst="bentConnector3">
+            <a:avLst>
+              <a:gd name="adj1" fmla="val 49940"/>
+            </a:avLst>
+          </a:prstGeom>
+          <a:ln w="38100">
+            <a:solidFill>
+              <a:srgbClr val="3EAF7C"/>
+            </a:solidFill>
+            <a:tailEnd type="arrow"/>
+          </a:ln>
+        </p:spPr>
+        <p:style>
+          <a:lnRef idx="1">
+            <a:schemeClr val="accent1"/>
+          </a:lnRef>
+          <a:fillRef idx="0">
+            <a:schemeClr val="accent1"/>
+          </a:fillRef>
+          <a:effectRef idx="0">
+            <a:schemeClr val="accent1"/>
+          </a:effectRef>
+          <a:fontRef idx="minor">
+            <a:schemeClr val="tx1"/>
+          </a:fontRef>
+        </p:style>
+      </p:cxnSp>
+      <p:cxnSp>
+        <p:nvCxnSpPr>
+          <p:cNvPr id="19" name="肘形连接符 18"/>
+          <p:cNvCxnSpPr>
+            <a:stCxn id="12" idx="3"/>
+            <a:endCxn id="14" idx="1"/>
+          </p:cNvCxnSpPr>
+          <p:nvPr/>
+        </p:nvCxnSpPr>
+        <p:spPr>
+          <a:xfrm flipV="true">
+            <a:off x="7388860" y="2261235"/>
+            <a:ext cx="546735" cy="991870"/>
+          </a:xfrm>
+          <a:prstGeom prst="bentConnector3">
+            <a:avLst>
+              <a:gd name="adj1" fmla="val 50058"/>
+            </a:avLst>
+          </a:prstGeom>
+          <a:ln w="38100">
+            <a:solidFill>
+              <a:srgbClr val="3EAF7C"/>
+            </a:solidFill>
+            <a:tailEnd type="arrow"/>
+          </a:ln>
+        </p:spPr>
+        <p:style>
+          <a:lnRef idx="1">
+            <a:schemeClr val="accent1"/>
+          </a:lnRef>
+          <a:fillRef idx="0">
+            <a:schemeClr val="accent1"/>
+          </a:fillRef>
+          <a:effectRef idx="0">
+            <a:schemeClr val="accent1"/>
+          </a:effectRef>
+          <a:fontRef idx="minor">
+            <a:schemeClr val="tx1"/>
+          </a:fontRef>
+        </p:style>
+      </p:cxnSp>
+      <p:cxnSp>
+        <p:nvCxnSpPr>
+          <p:cNvPr id="20" name="肘形连接符 19"/>
+          <p:cNvCxnSpPr>
+            <a:stCxn id="12" idx="3"/>
+            <a:endCxn id="16" idx="1"/>
+          </p:cNvCxnSpPr>
+          <p:nvPr/>
+        </p:nvCxnSpPr>
+        <p:spPr>
+          <a:xfrm>
+            <a:off x="7388860" y="3253105"/>
+            <a:ext cx="546735" cy="991870"/>
+          </a:xfrm>
+          <a:prstGeom prst="bentConnector3">
+            <a:avLst>
+              <a:gd name="adj1" fmla="val 50058"/>
+            </a:avLst>
+          </a:prstGeom>
+          <a:ln w="38100">
+            <a:solidFill>
+              <a:srgbClr val="3EAF7C"/>
+            </a:solidFill>
+            <a:tailEnd type="arrow"/>
+          </a:ln>
+        </p:spPr>
+        <p:style>
+          <a:lnRef idx="1">
+            <a:schemeClr val="accent1"/>
+          </a:lnRef>
+          <a:fillRef idx="0">
+            <a:schemeClr val="accent1"/>
+          </a:fillRef>
+          <a:effectRef idx="0">
+            <a:schemeClr val="accent1"/>
+          </a:effectRef>
+          <a:fontRef idx="minor">
+            <a:schemeClr val="tx1"/>
+          </a:fontRef>
+        </p:style>
+      </p:cxnSp>
+      <p:cxnSp>
+        <p:nvCxnSpPr>
+          <p:cNvPr id="21" name="直接箭头连接符 20"/>
+          <p:cNvCxnSpPr>
+            <a:stCxn id="12" idx="3"/>
+            <a:endCxn id="35" idx="1"/>
+          </p:cNvCxnSpPr>
+          <p:nvPr/>
+        </p:nvCxnSpPr>
+        <p:spPr>
+          <a:xfrm>
+            <a:off x="7388860" y="3253105"/>
+            <a:ext cx="546735" cy="0"/>
+          </a:xfrm>
+          <a:prstGeom prst="straightConnector1">
+            <a:avLst/>
+          </a:prstGeom>
+          <a:ln w="38100">
+            <a:solidFill>
+              <a:srgbClr val="3EAF7C"/>
+            </a:solidFill>
+            <a:tailEnd type="arrow"/>
+          </a:ln>
+        </p:spPr>
+        <p:style>
+          <a:lnRef idx="1">
+            <a:schemeClr val="accent1"/>
+          </a:lnRef>
+          <a:fillRef idx="0">
+            <a:schemeClr val="accent1"/>
+          </a:fillRef>
+          <a:effectRef idx="0">
+            <a:schemeClr val="accent1"/>
+          </a:effectRef>
+          <a:fontRef idx="minor">
+            <a:schemeClr val="tx1"/>
+          </a:fontRef>
+        </p:style>
+      </p:cxnSp>
+    </p:spTree>
+  </p:cSld>
+  <p:clrMapOvr>
+    <a:masterClrMapping/>
+  </p:clrMapOvr>
+</p:sld>
+</file>
+
+<file path=ppt/slides/slide2.xml><?xml version="1.0" encoding="utf-8"?>
+<p:sld xmlns:a="http://schemas.openxmlformats.org/drawingml/2006/main" xmlns:r="http://schemas.openxmlformats.org/officeDocument/2006/relationships" xmlns:p="http://schemas.openxmlformats.org/presentationml/2006/main">
+  <p:cSld>
+    <p:spTree>
+      <p:nvGrpSpPr>
+        <p:cNvPr id="1" name=""/>
+        <p:cNvGrpSpPr/>
+        <p:nvPr/>
+      </p:nvGrpSpPr>
+      <p:grpSpPr/>
+      <p:sp>
+        <p:nvSpPr>
           <p:cNvPr id="36" name="矩形 35"/>
           <p:cNvSpPr/>
           <p:nvPr/>
@@ -8331,14 +9091,14 @@
           <a:p>
             <a:pPr algn="ctr"/>
             <a:r>
-              <a:rPr lang="zh-CN" altLang="" sz="1200" b="1">
+              <a:rPr lang="zh-CN" altLang="en-US" sz="1200" b="1">
                 <a:solidFill>
                   <a:srgbClr val="2C3E50"/>
                 </a:solidFill>
               </a:rPr>
               <a:t>第一级页表</a:t>
             </a:r>
-            <a:endParaRPr lang="zh-CN" altLang="" sz="1200" b="1">
+            <a:endParaRPr lang="zh-CN" altLang="en-US" sz="1200" b="1">
               <a:solidFill>
                 <a:srgbClr val="2C3E50"/>
               </a:solidFill>
@@ -8393,7 +9153,7 @@
 </p:sld>
 </file>
 
-<file path=ppt/slides/slide2.xml><?xml version="1.0" encoding="utf-8"?>
+<file path=ppt/slides/slide3.xml><?xml version="1.0" encoding="utf-8"?>
 <p:sld xmlns:a="http://schemas.openxmlformats.org/drawingml/2006/main" xmlns:r="http://schemas.openxmlformats.org/officeDocument/2006/relationships" xmlns:p="http://schemas.openxmlformats.org/presentationml/2006/main">
   <p:cSld>
     <p:spTree>
